--- a/ch04/第4章 类和对象.pptx
+++ b/ch04/第4章 类和对象.pptx
@@ -1277,346 +1277,6 @@
       <dsp:cNvGrpSpPr/>
     </dsp:nvGrpSpPr>
     <dsp:grpSpPr/>
-    <dsp:sp modelId="{B93DE336-1684-46C9-8C8E-88B51C5E7FAE}">
-      <dsp:nvSpPr>
-        <dsp:cNvPr id="0" name=""/>
-        <dsp:cNvSpPr/>
-      </dsp:nvSpPr>
-      <dsp:spPr>
-        <a:xfrm rot="5400000">
-          <a:off x="-297805" y="298320"/>
-          <a:ext cx="1985367" cy="1389757"/>
-        </a:xfrm>
-        <a:prstGeom prst="chevron">
-          <a:avLst/>
-        </a:prstGeom>
-        <a:solidFill>
-          <a:schemeClr val="accent1">
-            <a:hueOff val="0"/>
-            <a:satOff val="0"/>
-            <a:lumOff val="0"/>
-            <a:alphaOff val="0"/>
-          </a:schemeClr>
-        </a:solidFill>
-        <a:ln w="25400" cap="flat" cmpd="sng" algn="ctr">
-          <a:solidFill>
-            <a:schemeClr val="accent1">
-              <a:hueOff val="0"/>
-              <a:satOff val="0"/>
-              <a:lumOff val="0"/>
-              <a:alphaOff val="0"/>
-            </a:schemeClr>
-          </a:solidFill>
-          <a:prstDash val="solid"/>
-        </a:ln>
-        <a:effectLst/>
-      </dsp:spPr>
-      <dsp:style>
-        <a:lnRef idx="2">
-          <a:scrgbClr r="0" g="0" b="0"/>
-        </a:lnRef>
-        <a:fillRef idx="1">
-          <a:scrgbClr r="0" g="0" b="0"/>
-        </a:fillRef>
-        <a:effectRef idx="0">
-          <a:scrgbClr r="0" g="0" b="0"/>
-        </a:effectRef>
-        <a:fontRef idx="minor">
-          <a:schemeClr val="lt1"/>
-        </a:fontRef>
-      </dsp:style>
-      <dsp:txBody>
-        <a:bodyPr spcFirstLastPara="0" vert="horz" wrap="square" lIns="26035" tIns="26035" rIns="26035" bIns="26035" numCol="1" spcCol="1270" anchor="ctr" anchorCtr="0">
-          <a:noAutofit/>
-        </a:bodyPr>
-        <a:lstStyle/>
-        <a:p>
-          <a:pPr lvl="0" algn="ctr" defTabSz="1822450">
-            <a:lnSpc>
-              <a:spcPct val="90000"/>
-            </a:lnSpc>
-            <a:spcBef>
-              <a:spcPct val="0"/>
-            </a:spcBef>
-            <a:spcAft>
-              <a:spcPct val="35000"/>
-            </a:spcAft>
-          </a:pPr>
-          <a:r>
-            <a:rPr lang="en-US" altLang="zh-CN" sz="4100" kern="1200" dirty="0" smtClean="0"/>
-            <a:t>1</a:t>
-          </a:r>
-          <a:endParaRPr lang="zh-CN" altLang="en-US" sz="4100" kern="1200" dirty="0"/>
-        </a:p>
-      </dsp:txBody>
-      <dsp:txXfrm rot="-5400000">
-        <a:off x="1" y="695394"/>
-        <a:ext cx="1389757" cy="595610"/>
-      </dsp:txXfrm>
-    </dsp:sp>
-    <dsp:sp modelId="{2E8A1F5D-47E6-4894-96BB-DBAA1B8393F4}">
-      <dsp:nvSpPr>
-        <dsp:cNvPr id="0" name=""/>
-        <dsp:cNvSpPr/>
-      </dsp:nvSpPr>
-      <dsp:spPr>
-        <a:xfrm rot="5400000">
-          <a:off x="3735970" y="-2345697"/>
-          <a:ext cx="1290488" cy="5982914"/>
-        </a:xfrm>
-        <a:prstGeom prst="round2SameRect">
-          <a:avLst/>
-        </a:prstGeom>
-        <a:solidFill>
-          <a:schemeClr val="lt1">
-            <a:alpha val="90000"/>
-            <a:hueOff val="0"/>
-            <a:satOff val="0"/>
-            <a:lumOff val="0"/>
-            <a:alphaOff val="0"/>
-          </a:schemeClr>
-        </a:solidFill>
-        <a:ln w="25400" cap="flat" cmpd="sng" algn="ctr">
-          <a:solidFill>
-            <a:schemeClr val="accent1">
-              <a:hueOff val="0"/>
-              <a:satOff val="0"/>
-              <a:lumOff val="0"/>
-              <a:alphaOff val="0"/>
-            </a:schemeClr>
-          </a:solidFill>
-          <a:prstDash val="solid"/>
-        </a:ln>
-        <a:effectLst/>
-      </dsp:spPr>
-      <dsp:style>
-        <a:lnRef idx="2">
-          <a:scrgbClr r="0" g="0" b="0"/>
-        </a:lnRef>
-        <a:fillRef idx="1">
-          <a:scrgbClr r="0" g="0" b="0"/>
-        </a:fillRef>
-        <a:effectRef idx="0">
-          <a:scrgbClr r="0" g="0" b="0"/>
-        </a:effectRef>
-        <a:fontRef idx="minor"/>
-      </dsp:style>
-      <dsp:txBody>
-        <a:bodyPr spcFirstLastPara="0" vert="horz" wrap="square" lIns="184912" tIns="16510" rIns="16510" bIns="16510" numCol="1" spcCol="1270" anchor="ctr" anchorCtr="0">
-          <a:noAutofit/>
-        </a:bodyPr>
-        <a:lstStyle/>
-        <a:p>
-          <a:pPr marL="228600" lvl="1" indent="-228600" algn="l" defTabSz="1155700">
-            <a:lnSpc>
-              <a:spcPct val="90000"/>
-            </a:lnSpc>
-            <a:spcBef>
-              <a:spcPct val="0"/>
-            </a:spcBef>
-            <a:spcAft>
-              <a:spcPct val="15000"/>
-            </a:spcAft>
-            <a:buChar char="••"/>
-          </a:pPr>
-          <a:r>
-            <a:rPr lang="zh-CN" altLang="en-US" sz="2600" kern="1200" dirty="0" smtClean="0"/>
-            <a:t>当</a:t>
-          </a:r>
-          <a:r>
-            <a:rPr lang="en-US" altLang="zh-CN" sz="2600" kern="1200" dirty="0" smtClean="0"/>
-            <a:t>JVM</a:t>
-          </a:r>
-          <a:r>
-            <a:rPr lang="zh-CN" altLang="en-US" sz="2600" kern="1200" dirty="0" smtClean="0"/>
-            <a:t>感到内存不足时会运行垃圾收集器</a:t>
-          </a:r>
-          <a:endParaRPr lang="zh-CN" altLang="en-US" sz="2600" kern="1200" dirty="0"/>
-        </a:p>
-      </dsp:txBody>
-      <dsp:txXfrm rot="-5400000">
-        <a:off x="1389757" y="63512"/>
-        <a:ext cx="5919918" cy="1164496"/>
-      </dsp:txXfrm>
-    </dsp:sp>
-    <dsp:sp modelId="{8DA687D8-4857-4C4D-9D4E-45B08006E5A8}">
-      <dsp:nvSpPr>
-        <dsp:cNvPr id="0" name=""/>
-        <dsp:cNvSpPr/>
-      </dsp:nvSpPr>
-      <dsp:spPr>
-        <a:xfrm rot="5400000">
-          <a:off x="-297805" y="1994922"/>
-          <a:ext cx="1985367" cy="1389757"/>
-        </a:xfrm>
-        <a:prstGeom prst="chevron">
-          <a:avLst/>
-        </a:prstGeom>
-        <a:solidFill>
-          <a:schemeClr val="accent1">
-            <a:hueOff val="0"/>
-            <a:satOff val="0"/>
-            <a:lumOff val="0"/>
-            <a:alphaOff val="0"/>
-          </a:schemeClr>
-        </a:solidFill>
-        <a:ln w="25400" cap="flat" cmpd="sng" algn="ctr">
-          <a:solidFill>
-            <a:schemeClr val="accent1">
-              <a:hueOff val="0"/>
-              <a:satOff val="0"/>
-              <a:lumOff val="0"/>
-              <a:alphaOff val="0"/>
-            </a:schemeClr>
-          </a:solidFill>
-          <a:prstDash val="solid"/>
-        </a:ln>
-        <a:effectLst/>
-      </dsp:spPr>
-      <dsp:style>
-        <a:lnRef idx="2">
-          <a:scrgbClr r="0" g="0" b="0"/>
-        </a:lnRef>
-        <a:fillRef idx="1">
-          <a:scrgbClr r="0" g="0" b="0"/>
-        </a:fillRef>
-        <a:effectRef idx="0">
-          <a:scrgbClr r="0" g="0" b="0"/>
-        </a:effectRef>
-        <a:fontRef idx="minor">
-          <a:schemeClr val="lt1"/>
-        </a:fontRef>
-      </dsp:style>
-      <dsp:txBody>
-        <a:bodyPr spcFirstLastPara="0" vert="horz" wrap="square" lIns="26035" tIns="26035" rIns="26035" bIns="26035" numCol="1" spcCol="1270" anchor="ctr" anchorCtr="0">
-          <a:noAutofit/>
-        </a:bodyPr>
-        <a:lstStyle/>
-        <a:p>
-          <a:pPr lvl="0" algn="ctr" defTabSz="1822450">
-            <a:lnSpc>
-              <a:spcPct val="90000"/>
-            </a:lnSpc>
-            <a:spcBef>
-              <a:spcPct val="0"/>
-            </a:spcBef>
-            <a:spcAft>
-              <a:spcPct val="35000"/>
-            </a:spcAft>
-          </a:pPr>
-          <a:r>
-            <a:rPr lang="en-US" altLang="zh-CN" sz="4100" kern="1200" dirty="0" smtClean="0"/>
-            <a:t>2</a:t>
-          </a:r>
-          <a:endParaRPr lang="zh-CN" altLang="en-US" sz="4100" kern="1200" dirty="0"/>
-        </a:p>
-      </dsp:txBody>
-      <dsp:txXfrm rot="-5400000">
-        <a:off x="1" y="2391996"/>
-        <a:ext cx="1389757" cy="595610"/>
-      </dsp:txXfrm>
-    </dsp:sp>
-    <dsp:sp modelId="{5784C035-D387-4FD2-9001-EAA95F3E4F9B}">
-      <dsp:nvSpPr>
-        <dsp:cNvPr id="0" name=""/>
-        <dsp:cNvSpPr/>
-      </dsp:nvSpPr>
-      <dsp:spPr>
-        <a:xfrm rot="5400000">
-          <a:off x="3735970" y="-649095"/>
-          <a:ext cx="1290488" cy="5982914"/>
-        </a:xfrm>
-        <a:prstGeom prst="round2SameRect">
-          <a:avLst/>
-        </a:prstGeom>
-        <a:solidFill>
-          <a:schemeClr val="lt1">
-            <a:alpha val="90000"/>
-            <a:hueOff val="0"/>
-            <a:satOff val="0"/>
-            <a:lumOff val="0"/>
-            <a:alphaOff val="0"/>
-          </a:schemeClr>
-        </a:solidFill>
-        <a:ln w="25400" cap="flat" cmpd="sng" algn="ctr">
-          <a:solidFill>
-            <a:schemeClr val="accent1">
-              <a:hueOff val="0"/>
-              <a:satOff val="0"/>
-              <a:lumOff val="0"/>
-              <a:alphaOff val="0"/>
-            </a:schemeClr>
-          </a:solidFill>
-          <a:prstDash val="solid"/>
-        </a:ln>
-        <a:effectLst/>
-      </dsp:spPr>
-      <dsp:style>
-        <a:lnRef idx="2">
-          <a:scrgbClr r="0" g="0" b="0"/>
-        </a:lnRef>
-        <a:fillRef idx="1">
-          <a:scrgbClr r="0" g="0" b="0"/>
-        </a:fillRef>
-        <a:effectRef idx="0">
-          <a:scrgbClr r="0" g="0" b="0"/>
-        </a:effectRef>
-        <a:fontRef idx="minor"/>
-      </dsp:style>
-      <dsp:txBody>
-        <a:bodyPr spcFirstLastPara="0" vert="horz" wrap="square" lIns="184912" tIns="16510" rIns="16510" bIns="16510" numCol="1" spcCol="1270" anchor="ctr" anchorCtr="0">
-          <a:noAutofit/>
-        </a:bodyPr>
-        <a:lstStyle/>
-        <a:p>
-          <a:pPr marL="228600" lvl="1" indent="-228600" algn="l" defTabSz="1155700">
-            <a:lnSpc>
-              <a:spcPct val="90000"/>
-            </a:lnSpc>
-            <a:spcBef>
-              <a:spcPct val="0"/>
-            </a:spcBef>
-            <a:spcAft>
-              <a:spcPct val="15000"/>
-            </a:spcAft>
-            <a:buChar char="••"/>
-          </a:pPr>
-          <a:r>
-            <a:rPr lang="zh-CN" altLang="en-US" sz="2600" kern="1200" dirty="0" smtClean="0"/>
-            <a:t>在</a:t>
-          </a:r>
-          <a:r>
-            <a:rPr lang="en-US" altLang="zh-CN" sz="2600" kern="1200" dirty="0" smtClean="0"/>
-            <a:t>Java</a:t>
-          </a:r>
-          <a:r>
-            <a:rPr lang="zh-CN" altLang="en-US" sz="2600" kern="1200" dirty="0" smtClean="0"/>
-            <a:t>程序中可以请求</a:t>
-          </a:r>
-          <a:r>
-            <a:rPr lang="en-US" altLang="zh-CN" sz="2600" kern="1200" dirty="0" smtClean="0"/>
-            <a:t>JVM</a:t>
-          </a:r>
-          <a:r>
-            <a:rPr lang="zh-CN" altLang="en-US" sz="2600" kern="1200" dirty="0" smtClean="0"/>
-            <a:t>运行垃圾收集器，但无法保证</a:t>
-          </a:r>
-          <a:r>
-            <a:rPr lang="en-US" altLang="zh-CN" sz="2600" kern="1200" dirty="0" smtClean="0"/>
-            <a:t>JVM</a:t>
-          </a:r>
-          <a:r>
-            <a:rPr lang="zh-CN" altLang="en-US" sz="2600" kern="1200" dirty="0" smtClean="0"/>
-            <a:t>会答应请求</a:t>
-          </a:r>
-          <a:endParaRPr lang="zh-CN" altLang="en-US" sz="2600" kern="1200" dirty="0"/>
-        </a:p>
-      </dsp:txBody>
-      <dsp:txXfrm rot="-5400000">
-        <a:off x="1389757" y="1760114"/>
-        <a:ext cx="5919918" cy="1164496"/>
-      </dsp:txXfrm>
-    </dsp:sp>
   </dsp:spTree>
 </dsp:drawing>
 </file>
@@ -3071,7 +2731,7 @@
               <a:pPr>
                 <a:defRPr/>
               </a:pPr>
-              <a:t>2/26/2018</a:t>
+              <a:t>3/22/2018</a:t>
             </a:fld>
             <a:endParaRPr lang="en-US"/>
           </a:p>
@@ -8730,7 +8390,7 @@
           <a:graphicData uri="http://schemas.openxmlformats.org/presentationml/2006/ole">
             <mc:AlternateContent xmlns:mc="http://schemas.openxmlformats.org/markup-compatibility/2006">
               <mc:Choice xmlns:v="urn:schemas-microsoft-com:vml" Requires="v">
-                <p:oleObj spid="_x0000_s11336" r:id="rId4" imgW="3333333" imgH="1952898" progId="PBrush">
+                <p:oleObj spid="_x0000_s11339" r:id="rId4" imgW="3333333" imgH="1952898" progId="PBrush">
                   <p:embed/>
                 </p:oleObj>
               </mc:Choice>
@@ -11810,7 +11470,7 @@
         <p:spPr>
           <a:xfrm>
             <a:off x="609600" y="1160749"/>
-            <a:ext cx="9734872" cy="5697251"/>
+            <a:ext cx="10972800" cy="5697251"/>
           </a:xfrm>
         </p:spPr>
         <p:txBody>
@@ -12373,8 +12033,8 @@
         </p:nvSpPr>
         <p:spPr>
           <a:xfrm>
-            <a:off x="4655840" y="1160749"/>
-            <a:ext cx="3600400" cy="4965415"/>
+            <a:off x="609600" y="1160749"/>
+            <a:ext cx="10670976" cy="4965415"/>
           </a:xfrm>
         </p:spPr>
         <p:txBody>
@@ -17380,27 +17040,19 @@
             </a:pPr>
             <a:r>
               <a:rPr lang="zh-CN" altLang="en-US" dirty="0" smtClean="0"/>
-              <a:t>地址传递</a:t>
-            </a:r>
+              <a:t>地址传递：表示方法接收的是调用者提供的变量地址。</a:t>
+            </a:r>
+            <a:endParaRPr lang="en-US" altLang="zh-CN" dirty="0" smtClean="0"/>
+          </a:p>
+          <a:p>
+            <a:pPr lvl="1">
+              <a:lnSpc>
+                <a:spcPct val="150000"/>
+              </a:lnSpc>
+            </a:pPr>
             <a:r>
               <a:rPr lang="zh-CN" altLang="en-US" dirty="0" smtClean="0"/>
-              <a:t>：表示方法接收的是调用者提供的变量地址。</a:t>
-            </a:r>
-            <a:endParaRPr lang="en-US" altLang="zh-CN" dirty="0" smtClean="0"/>
-          </a:p>
-          <a:p>
-            <a:pPr lvl="1">
-              <a:lnSpc>
-                <a:spcPct val="150000"/>
-              </a:lnSpc>
-            </a:pPr>
-            <a:r>
-              <a:rPr lang="zh-CN" altLang="en-US" dirty="0" smtClean="0"/>
-              <a:t>一个方法可以修改</a:t>
-            </a:r>
-            <a:r>
-              <a:rPr lang="zh-CN" altLang="en-US" dirty="0" smtClean="0"/>
-              <a:t>传递</a:t>
+              <a:t>一个方法可以修改传递</a:t>
             </a:r>
             <a:r>
               <a:rPr lang="zh-CN" altLang="en-US" dirty="0"/>
@@ -17408,11 +17060,7 @@
             </a:r>
             <a:r>
               <a:rPr lang="zh-CN" altLang="en-US" dirty="0" smtClean="0"/>
-              <a:t>所</a:t>
-            </a:r>
-            <a:r>
-              <a:rPr lang="zh-CN" altLang="en-US" dirty="0" smtClean="0"/>
-              <a:t>对应的变量值，而不能修改传递值调用所对应的变量值。</a:t>
+              <a:t>所对应的变量值，而不能修改传递值调用所对应的变量值。</a:t>
             </a:r>
             <a:endParaRPr lang="en-US" altLang="zh-CN" dirty="0" smtClean="0"/>
           </a:p>
@@ -18354,15 +18002,7 @@
             </a:pPr>
             <a:r>
               <a:rPr lang="zh-CN" altLang="en-US" dirty="0" smtClean="0"/>
-              <a:t>参数传递</a:t>
-            </a:r>
-            <a:r>
-              <a:rPr lang="zh-CN" altLang="en-US" dirty="0" smtClean="0"/>
-              <a:t>过程</a:t>
-            </a:r>
-            <a:r>
-              <a:rPr lang="zh-CN" altLang="en-US" dirty="0" smtClean="0"/>
-              <a:t>：</a:t>
+              <a:t>参数传递过程：</a:t>
             </a:r>
             <a:endParaRPr lang="en-US" altLang="zh-CN" dirty="0" smtClean="0"/>
           </a:p>
@@ -22430,19 +22070,7 @@
             </a:pPr>
             <a:r>
               <a:rPr lang="zh-CN" altLang="en-US" dirty="0" smtClean="0"/>
-              <a:t>当参数是基本数据类型时，方法</a:t>
-            </a:r>
-            <a:r>
-              <a:rPr lang="zh-CN" altLang="en-US" dirty="0" smtClean="0"/>
-              <a:t>不能</a:t>
-            </a:r>
-            <a:r>
-              <a:rPr lang="zh-CN" altLang="en-US" dirty="0" smtClean="0"/>
-              <a:t>修改实际参数的值。</a:t>
-            </a:r>
-            <a:r>
-              <a:rPr lang="zh-CN" altLang="en-US" dirty="0" smtClean="0"/>
-              <a:t>   </a:t>
+              <a:t>当参数是基本数据类型时，方法不能修改实际参数的值。   </a:t>
             </a:r>
             <a:endParaRPr lang="en-US" altLang="zh-CN" dirty="0" smtClean="0"/>
           </a:p>
@@ -31076,8 +30704,12 @@
               <a:t>import</a:t>
             </a:r>
             <a:r>
+              <a:rPr lang="zh-CN" altLang="en-US" smtClean="0"/>
+              <a:t>语句的</a:t>
+            </a:r>
+            <a:r>
               <a:rPr lang="zh-CN" altLang="en-US" dirty="0" smtClean="0"/>
-              <a:t>语名的唯一价值是减少键入。</a:t>
+              <a:t>唯一价值是减少键入。</a:t>
             </a:r>
           </a:p>
           <a:p>
@@ -34662,7 +34294,7 @@
           <a:graphicData uri="http://schemas.openxmlformats.org/presentationml/2006/ole">
             <mc:AlternateContent xmlns:mc="http://schemas.openxmlformats.org/markup-compatibility/2006">
               <mc:Choice xmlns:v="urn:schemas-microsoft-com:vml" Requires="v">
-                <p:oleObj spid="_x0000_s9288" r:id="rId3" imgW="3828571" imgH="1704762" progId="PBrush">
+                <p:oleObj spid="_x0000_s9291" r:id="rId3" imgW="3828571" imgH="1704762" progId="PBrush">
                   <p:embed/>
                 </p:oleObj>
               </mc:Choice>
